--- a/_Think/_Shop.Think.pptx
+++ b/_Think/_Shop.Think.pptx
@@ -5,10 +5,10 @@
     <p:sldMasterId id="2147483649" r:id="rId1"/>
   </p:sldMasterIdLst>
   <p:notesMasterIdLst>
-    <p:notesMasterId r:id="rId18"/>
+    <p:notesMasterId r:id="rId17"/>
   </p:notesMasterIdLst>
   <p:handoutMasterIdLst>
-    <p:handoutMasterId r:id="rId19"/>
+    <p:handoutMasterId r:id="rId18"/>
   </p:handoutMasterIdLst>
   <p:sldIdLst>
     <p:sldId id="1737" r:id="rId2"/>
@@ -26,7 +26,6 @@
     <p:sldId id="1751" r:id="rId14"/>
     <p:sldId id="1749" r:id="rId15"/>
     <p:sldId id="1753" r:id="rId16"/>
-    <p:sldId id="1740" r:id="rId17"/>
   </p:sldIdLst>
   <p:sldSz cx="12192000" cy="6858000"/>
   <p:notesSz cx="6858000" cy="9144000"/>
@@ -149,7 +148,6 @@
             <p14:sldId id="1751"/>
             <p14:sldId id="1749"/>
             <p14:sldId id="1753"/>
-            <p14:sldId id="1740"/>
           </p14:sldIdLst>
         </p14:section>
       </p14:sectionLst>
@@ -300,7 +298,7 @@
           <a:p>
             <a:fld id="{F869B831-4E69-4D2A-AD19-BF4301D60DCB}" type="datetimeFigureOut">
               <a:rPr lang="fr-FR" smtClean="0"/>
-              <a:t>26/08/2023</a:t>
+              <a:t>10/09/2023</a:t>
             </a:fld>
             <a:endParaRPr lang="fr-FR"/>
           </a:p>
@@ -477,7 +475,7 @@
           <a:p>
             <a:fld id="{21CD3A5E-BD05-4410-88B3-BEFECD2D9F92}" type="datetimeFigureOut">
               <a:rPr lang="fr-FR" smtClean="0"/>
-              <a:t>26/08/2023</a:t>
+              <a:t>10/09/2023</a:t>
             </a:fld>
             <a:endParaRPr lang="fr-FR"/>
           </a:p>
@@ -5873,7 +5871,7 @@
             </a:pPr>
             <a:r>
               <a:rPr lang="fr-FR" dirty="0"/>
-              <a:t>Paramètre Envisageable</a:t>
+              <a:t>Données Configurable</a:t>
             </a:r>
           </a:p>
           <a:p>
@@ -5984,44 +5982,6 @@
       </p:sp>
       <p:sp>
         <p:nvSpPr>
-          <p:cNvPr id="8" name="Text Placeholder 7">
-            <a:extLst>
-              <a:ext uri="{FF2B5EF4-FFF2-40B4-BE49-F238E27FC236}">
-                <a16:creationId xmlns:a16="http://schemas.microsoft.com/office/drawing/2014/main" id="{1EB7075E-B0F4-4886-A871-2B0A8490FE71}"/>
-              </a:ext>
-            </a:extLst>
-          </p:cNvPr>
-          <p:cNvSpPr>
-            <a:spLocks noGrp="1"/>
-          </p:cNvSpPr>
-          <p:nvPr>
-            <p:ph type="body" sz="quarter" idx="20"/>
-          </p:nvPr>
-        </p:nvSpPr>
-        <p:spPr/>
-        <p:txBody>
-          <a:bodyPr/>
-          <a:lstStyle/>
-          <a:p>
-            <a:pPr marL="0" indent="0" algn="ctr">
-              <a:buNone/>
-            </a:pPr>
-            <a:r>
-              <a:rPr lang="fr-FR" dirty="0"/>
-              <a:t>Eléments</a:t>
-            </a:r>
-            <a:r>
-              <a:rPr lang="en-GB" dirty="0"/>
-              <a:t> Impactable</a:t>
-            </a:r>
-          </a:p>
-          <a:p>
-            <a:endParaRPr lang="en-GB" b="0" dirty="0"/>
-          </a:p>
-        </p:txBody>
-      </p:sp>
-      <p:sp>
-        <p:nvSpPr>
           <p:cNvPr id="2" name="Title 1">
             <a:extLst>
               <a:ext uri="{FF2B5EF4-FFF2-40B4-BE49-F238E27FC236}">
@@ -6062,6 +6022,31 @@
                 <a:srgbClr val="FFFF00"/>
               </a:highlight>
             </a:endParaRPr>
+          </a:p>
+        </p:txBody>
+      </p:sp>
+      <p:sp>
+        <p:nvSpPr>
+          <p:cNvPr id="9" name="Text Placeholder 8">
+            <a:extLst>
+              <a:ext uri="{FF2B5EF4-FFF2-40B4-BE49-F238E27FC236}">
+                <a16:creationId xmlns:a16="http://schemas.microsoft.com/office/drawing/2014/main" id="{FC62DCEB-55A9-3F5A-6E1F-B999AE20EC02}"/>
+              </a:ext>
+            </a:extLst>
+          </p:cNvPr>
+          <p:cNvSpPr>
+            <a:spLocks noGrp="1"/>
+          </p:cNvSpPr>
+          <p:nvPr>
+            <p:ph type="body" sz="quarter" idx="20"/>
+          </p:nvPr>
+        </p:nvSpPr>
+        <p:spPr/>
+        <p:txBody>
+          <a:bodyPr/>
+          <a:lstStyle/>
+          <a:p>
+            <a:endParaRPr lang="en-US"/>
           </a:p>
         </p:txBody>
       </p:sp>
@@ -6174,6 +6159,17 @@
           <a:bodyPr/>
           <a:lstStyle/>
           <a:p>
+            <a:pPr marL="260640" indent="-274320">
+              <a:spcBef>
+                <a:spcPts val="0"/>
+              </a:spcBef>
+            </a:pPr>
+            <a:r>
+              <a:rPr lang="fr-FR" dirty="0"/>
+              <a:t>Stockage</a:t>
+            </a:r>
+          </a:p>
+          <a:p>
             <a:pPr marL="548640" lvl="1" indent="-274320">
               <a:spcBef>
                 <a:spcPts val="0"/>
@@ -6249,7 +6245,18 @@
           <a:p>
             <a:r>
               <a:rPr lang="fr-FR" sz="2000" dirty="0"/>
-              <a:t>User connecté </a:t>
+              <a:t>Selon le user connecté </a:t>
+            </a:r>
+          </a:p>
+          <a:p>
+            <a:pPr lvl="1">
+              <a:spcBef>
+                <a:spcPts val="600"/>
+              </a:spcBef>
+            </a:pPr>
+            <a:r>
+              <a:rPr lang="fr-FR" b="0" dirty="0"/>
+              <a:t>Langue</a:t>
             </a:r>
           </a:p>
           <a:p>
@@ -6658,81 +6665,6 @@
               </a:spcBef>
             </a:pPr>
             <a:r>
-              <a:rPr lang="en-US" dirty="0"/>
-              <a:t>Model</a:t>
-            </a:r>
-          </a:p>
-          <a:p>
-            <a:pPr lvl="1">
-              <a:spcBef>
-                <a:spcPts val="600"/>
-              </a:spcBef>
-            </a:pPr>
-            <a:r>
-              <a:rPr lang="fr-FR" b="0" dirty="0"/>
-              <a:t>Chaque entité du model doivent avoir un Id</a:t>
-            </a:r>
-          </a:p>
-          <a:p>
-            <a:pPr lvl="1">
-              <a:spcBef>
-                <a:spcPts val="600"/>
-              </a:spcBef>
-            </a:pPr>
-            <a:r>
-              <a:rPr lang="fr-FR" b="0" dirty="0"/>
-              <a:t>- Cet id doit être de type 'string' ? Utiliser un </a:t>
-            </a:r>
-            <a:r>
-              <a:rPr lang="fr-FR" b="0" dirty="0" err="1"/>
-              <a:t>Guid</a:t>
-            </a:r>
-            <a:r>
-              <a:rPr lang="fr-FR" b="0" dirty="0"/>
-              <a:t> ?</a:t>
-            </a:r>
-            <a:br>
-              <a:rPr lang="en-US" dirty="0"/>
-            </a:br>
-            <a:endParaRPr lang="en-US" dirty="0"/>
-          </a:p>
-          <a:p>
-            <a:pPr>
-              <a:spcBef>
-                <a:spcPts val="600"/>
-              </a:spcBef>
-            </a:pPr>
-            <a:r>
-              <a:rPr lang="en-US" dirty="0"/>
-              <a:t>Code Organisation</a:t>
-            </a:r>
-            <a:r>
-              <a:rPr lang="fr-FR" dirty="0"/>
-              <a:t> </a:t>
-            </a:r>
-          </a:p>
-          <a:p>
-            <a:pPr lvl="1">
-              <a:spcBef>
-                <a:spcPts val="600"/>
-              </a:spcBef>
-            </a:pPr>
-            <a:r>
-              <a:rPr lang="fr-FR" b="0" dirty="0"/>
-              <a:t>Regrouper les services (API call) et les effects associés dans un dossier dédié ?</a:t>
-            </a:r>
-            <a:br>
-              <a:rPr lang="fr-FR" b="0" dirty="0"/>
-            </a:br>
-            <a:endParaRPr lang="fr-FR" b="0" dirty="0"/>
-          </a:p>
-          <a:p>
-            <a:pPr>
-              <a:spcBef>
-                <a:spcPts val="600"/>
-              </a:spcBef>
-            </a:pPr>
-            <a:r>
               <a:rPr lang="fr-FR" dirty="0"/>
               <a:t>State Organisation</a:t>
             </a:r>
@@ -7038,36 +6970,6 @@
           <a:p>
             <a:r>
               <a:rPr lang="fr-FR" dirty="0"/>
-              <a:t>Model / </a:t>
-            </a:r>
-            <a:r>
-              <a:rPr lang="fr-FR" b="1" dirty="0"/>
-              <a:t>Révision</a:t>
-            </a:r>
-            <a:endParaRPr lang="fr-FR" dirty="0"/>
-          </a:p>
-          <a:p>
-            <a:pPr lvl="3"/>
-            <a:r>
-              <a:rPr lang="fr-FR" b="0" dirty="0"/>
-              <a:t>Chaque entité du model a un Id. Doit être de type 'string' / 'GUID' / '</a:t>
-            </a:r>
-            <a:r>
-              <a:rPr lang="fr-FR" b="0" dirty="0" err="1"/>
-              <a:t>number</a:t>
-            </a:r>
-            <a:r>
-              <a:rPr lang="fr-FR" b="0" dirty="0"/>
-              <a:t>’ ?</a:t>
-            </a:r>
-            <a:br>
-              <a:rPr lang="fr-FR" b="0" dirty="0"/>
-            </a:br>
-            <a:endParaRPr lang="fr-FR" b="0" dirty="0"/>
-          </a:p>
-          <a:p>
-            <a:r>
-              <a:rPr lang="fr-FR" dirty="0"/>
               <a:t>Permettre au User de Catégoriser (ou non) leurs items dans la </a:t>
             </a:r>
             <a:r>
@@ -7383,715 +7285,6 @@
     <p:extLst>
       <p:ext uri="{BB962C8B-B14F-4D97-AF65-F5344CB8AC3E}">
         <p14:creationId xmlns:p14="http://schemas.microsoft.com/office/powerpoint/2010/main" val="851191389"/>
-      </p:ext>
-    </p:extLst>
-  </p:cSld>
-  <p:clrMapOvr>
-    <a:masterClrMapping/>
-  </p:clrMapOvr>
-</p:sld>
-</file>
-
-<file path=ppt/slides/slide16.xml><?xml version="1.0" encoding="utf-8"?>
-<p:sld xmlns:a="http://schemas.openxmlformats.org/drawingml/2006/main" xmlns:r="http://schemas.openxmlformats.org/officeDocument/2006/relationships" xmlns:p="http://schemas.openxmlformats.org/presentationml/2006/main">
-  <p:cSld>
-    <p:spTree>
-      <p:nvGrpSpPr>
-        <p:cNvPr id="1" name=""/>
-        <p:cNvGrpSpPr/>
-        <p:nvPr/>
-      </p:nvGrpSpPr>
-      <p:grpSpPr>
-        <a:xfrm>
-          <a:off x="0" y="0"/>
-          <a:ext cx="0" cy="0"/>
-          <a:chOff x="0" y="0"/>
-          <a:chExt cx="0" cy="0"/>
-        </a:xfrm>
-      </p:grpSpPr>
-      <p:sp>
-        <p:nvSpPr>
-          <p:cNvPr id="2" name="Slide Number Placeholder 1">
-            <a:extLst>
-              <a:ext uri="{FF2B5EF4-FFF2-40B4-BE49-F238E27FC236}">
-                <a16:creationId xmlns:a16="http://schemas.microsoft.com/office/drawing/2014/main" id="{7492C7A8-9372-4136-B20B-098CF456DE20}"/>
-              </a:ext>
-            </a:extLst>
-          </p:cNvPr>
-          <p:cNvSpPr>
-            <a:spLocks noGrp="1"/>
-          </p:cNvSpPr>
-          <p:nvPr>
-            <p:ph type="sldNum" sz="quarter" idx="10"/>
-          </p:nvPr>
-        </p:nvSpPr>
-        <p:spPr/>
-        <p:txBody>
-          <a:bodyPr/>
-          <a:lstStyle/>
-          <a:p>
-            <a:fld id="{E14D0CC5-784E-4B7E-B9F4-EE71C08DA69C}" type="slidenum">
-              <a:rPr lang="fr-FR" smtClean="0"/>
-              <a:t>16</a:t>
-            </a:fld>
-            <a:endParaRPr lang="fr-FR"/>
-          </a:p>
-        </p:txBody>
-      </p:sp>
-      <p:sp>
-        <p:nvSpPr>
-          <p:cNvPr id="3" name="Footer Placeholder 2">
-            <a:extLst>
-              <a:ext uri="{FF2B5EF4-FFF2-40B4-BE49-F238E27FC236}">
-                <a16:creationId xmlns:a16="http://schemas.microsoft.com/office/drawing/2014/main" id="{4A4210F7-4F07-4CA5-9EB6-A3D6CB0559AA}"/>
-              </a:ext>
-            </a:extLst>
-          </p:cNvPr>
-          <p:cNvSpPr>
-            <a:spLocks noGrp="1"/>
-          </p:cNvSpPr>
-          <p:nvPr>
-            <p:ph type="ftr" sz="quarter" idx="11"/>
-          </p:nvPr>
-        </p:nvSpPr>
-        <p:spPr/>
-        <p:txBody>
-          <a:bodyPr/>
-          <a:lstStyle/>
-          <a:p>
-            <a:r>
-              <a:rPr lang="fr-FR" dirty="0"/>
-              <a:t>Unlocked By | K </a:t>
-            </a:r>
-          </a:p>
-        </p:txBody>
-      </p:sp>
-      <p:sp>
-        <p:nvSpPr>
-          <p:cNvPr id="4" name="Text Placeholder 3">
-            <a:extLst>
-              <a:ext uri="{FF2B5EF4-FFF2-40B4-BE49-F238E27FC236}">
-                <a16:creationId xmlns:a16="http://schemas.microsoft.com/office/drawing/2014/main" id="{83C77544-974D-483E-8529-CFEBC71AD7E1}"/>
-              </a:ext>
-            </a:extLst>
-          </p:cNvPr>
-          <p:cNvSpPr>
-            <a:spLocks noGrp="1"/>
-          </p:cNvSpPr>
-          <p:nvPr>
-            <p:ph type="body" sz="quarter" idx="19"/>
-          </p:nvPr>
-        </p:nvSpPr>
-        <p:spPr/>
-        <p:txBody>
-          <a:bodyPr/>
-          <a:lstStyle/>
-          <a:p>
-            <a:pPr marL="72000" indent="0" algn="ctr">
-              <a:spcBef>
-                <a:spcPts val="600"/>
-              </a:spcBef>
-              <a:buNone/>
-            </a:pPr>
-            <a:r>
-              <a:rPr lang="fr-FR" dirty="0"/>
-              <a:t>Front </a:t>
-            </a:r>
-            <a:r>
-              <a:rPr lang="fr-FR"/>
-              <a:t>| Components</a:t>
-            </a:r>
-            <a:endParaRPr lang="fr-FR" dirty="0">
-              <a:hlinkClick r:id="rId2"/>
-            </a:endParaRPr>
-          </a:p>
-          <a:p>
-            <a:pPr marL="540000" lvl="1" indent="-288000">
-              <a:spcBef>
-                <a:spcPts val="600"/>
-              </a:spcBef>
-              <a:buFont typeface="Arial,Sans-Serif" panose="020B0604020202020204" pitchFamily="34" charset="0"/>
-              <a:buChar char="•"/>
-            </a:pPr>
-            <a:r>
-              <a:rPr lang="fr-FR" dirty="0" err="1">
-                <a:solidFill>
-                  <a:schemeClr val="bg1">
-                    <a:lumMod val="75000"/>
-                  </a:schemeClr>
-                </a:solidFill>
-                <a:hlinkClick r:id="rId2">
-                  <a:extLst>
-                    <a:ext uri="{A12FA001-AC4F-418D-AE19-62706E023703}">
-                      <ahyp:hlinkClr xmlns:ahyp="http://schemas.microsoft.com/office/drawing/2018/hyperlinkcolor" val="tx"/>
-                    </a:ext>
-                  </a:extLst>
-                </a:hlinkClick>
-              </a:rPr>
-              <a:t>DevExtreme</a:t>
-            </a:r>
-            <a:r>
-              <a:rPr lang="fr-FR" dirty="0">
-                <a:solidFill>
-                  <a:schemeClr val="tx2"/>
-                </a:solidFill>
-              </a:rPr>
-              <a:t> </a:t>
-            </a:r>
-            <a:r>
-              <a:rPr lang="fr-FR" sz="1800" b="0" dirty="0">
-                <a:solidFill>
-                  <a:schemeClr val="tx2"/>
-                </a:solidFill>
-              </a:rPr>
-              <a:t>(~angular / material)</a:t>
-            </a:r>
-            <a:endParaRPr lang="fr-FR" dirty="0">
-              <a:solidFill>
-                <a:schemeClr val="tx2"/>
-              </a:solidFill>
-            </a:endParaRPr>
-          </a:p>
-          <a:p>
-            <a:pPr marL="540000" lvl="2" indent="-288000">
-              <a:spcBef>
-                <a:spcPts val="600"/>
-              </a:spcBef>
-              <a:buFont typeface="Arial,Sans-Serif" panose="020B0604020202020204" pitchFamily="34" charset="0"/>
-              <a:buChar char="•"/>
-            </a:pPr>
-            <a:r>
-              <a:rPr lang="fr-FR" sz="1800" dirty="0" err="1">
-                <a:solidFill>
-                  <a:schemeClr val="bg1">
-                    <a:lumMod val="75000"/>
-                  </a:schemeClr>
-                </a:solidFill>
-                <a:ea typeface="+mn-ea"/>
-                <a:cs typeface="+mn-cs"/>
-                <a:hlinkClick r:id="rId3">
-                  <a:extLst>
-                    <a:ext uri="{A12FA001-AC4F-418D-AE19-62706E023703}">
-                      <ahyp:hlinkClr xmlns:ahyp="http://schemas.microsoft.com/office/drawing/2018/hyperlinkcolor" val="tx"/>
-                    </a:ext>
-                  </a:extLst>
-                </a:hlinkClick>
-              </a:rPr>
-              <a:t>NgxBootstrap</a:t>
-            </a:r>
-            <a:r>
-              <a:rPr lang="fr-FR" sz="1800" dirty="0">
-                <a:solidFill>
-                  <a:schemeClr val="tx2"/>
-                </a:solidFill>
-              </a:rPr>
-              <a:t> </a:t>
-            </a:r>
-            <a:r>
-              <a:rPr lang="fr-FR" sz="1800" b="0" dirty="0">
-                <a:solidFill>
-                  <a:schemeClr val="tx2"/>
-                </a:solidFill>
-              </a:rPr>
-              <a:t>(bootstrap adapted for</a:t>
-            </a:r>
-            <a:r>
-              <a:rPr lang="fr-FR" sz="1800" dirty="0">
-                <a:solidFill>
-                  <a:schemeClr val="tx2"/>
-                </a:solidFill>
-              </a:rPr>
-              <a:t> </a:t>
-            </a:r>
-            <a:r>
-              <a:rPr lang="fr-FR" sz="1800" b="0" dirty="0">
-                <a:solidFill>
-                  <a:schemeClr val="tx2"/>
-                </a:solidFill>
-              </a:rPr>
-              <a:t>angular)</a:t>
-            </a:r>
-          </a:p>
-          <a:p>
-            <a:pPr marL="540000" lvl="1" indent="-288000">
-              <a:spcBef>
-                <a:spcPts val="600"/>
-              </a:spcBef>
-              <a:buFont typeface="Arial,Sans-Serif" panose="020B0604020202020204" pitchFamily="34" charset="0"/>
-              <a:buChar char="•"/>
-            </a:pPr>
-            <a:r>
-              <a:rPr lang="fr-FR" dirty="0">
-                <a:solidFill>
-                  <a:schemeClr val="bg1">
-                    <a:lumMod val="75000"/>
-                  </a:schemeClr>
-                </a:solidFill>
-                <a:hlinkClick r:id="rId4">
-                  <a:extLst>
-                    <a:ext uri="{A12FA001-AC4F-418D-AE19-62706E023703}">
-                      <ahyp:hlinkClr xmlns:ahyp="http://schemas.microsoft.com/office/drawing/2018/hyperlinkcolor" val="tx"/>
-                    </a:ext>
-                  </a:extLst>
-                </a:hlinkClick>
-              </a:rPr>
-              <a:t>Bootstrap</a:t>
-            </a:r>
-            <a:r>
-              <a:rPr lang="fr-FR" dirty="0">
-                <a:solidFill>
-                  <a:schemeClr val="bg1">
-                    <a:lumMod val="75000"/>
-                  </a:schemeClr>
-                </a:solidFill>
-              </a:rPr>
-              <a:t> (</a:t>
-            </a:r>
-            <a:r>
-              <a:rPr lang="fr-FR" dirty="0" err="1">
-                <a:solidFill>
-                  <a:schemeClr val="bg1">
-                    <a:lumMod val="75000"/>
-                  </a:schemeClr>
-                </a:solidFill>
-              </a:rPr>
-              <a:t>impl</a:t>
-            </a:r>
-            <a:r>
-              <a:rPr lang="fr-FR" dirty="0">
-                <a:solidFill>
-                  <a:schemeClr val="bg1">
-                    <a:lumMod val="75000"/>
-                  </a:schemeClr>
-                </a:solidFill>
-              </a:rPr>
-              <a:t> </a:t>
-            </a:r>
-            <a:r>
-              <a:rPr lang="fr-FR" dirty="0" err="1">
-                <a:solidFill>
-                  <a:schemeClr val="bg1">
-                    <a:lumMod val="75000"/>
-                  </a:schemeClr>
-                </a:solidFill>
-              </a:rPr>
-              <a:t>ac</a:t>
-            </a:r>
-            <a:r>
-              <a:rPr lang="fr-FR" dirty="0">
-                <a:solidFill>
-                  <a:schemeClr val="bg1">
-                    <a:lumMod val="75000"/>
-                  </a:schemeClr>
-                </a:solidFill>
-              </a:rPr>
-              <a:t> class css)</a:t>
-            </a:r>
-          </a:p>
-          <a:p>
-            <a:pPr marL="540000" lvl="1" indent="-288000">
-              <a:spcBef>
-                <a:spcPts val="600"/>
-              </a:spcBef>
-              <a:buFont typeface="Arial,Sans-Serif" panose="020B0604020202020204" pitchFamily="34" charset="0"/>
-              <a:buChar char="•"/>
-            </a:pPr>
-            <a:r>
-              <a:rPr lang="fr-FR" dirty="0">
-                <a:solidFill>
-                  <a:schemeClr val="bg1">
-                    <a:lumMod val="75000"/>
-                  </a:schemeClr>
-                </a:solidFill>
-                <a:hlinkClick r:id="rId5">
-                  <a:extLst>
-                    <a:ext uri="{A12FA001-AC4F-418D-AE19-62706E023703}">
-                      <ahyp:hlinkClr xmlns:ahyp="http://schemas.microsoft.com/office/drawing/2018/hyperlinkcolor" val="tx"/>
-                    </a:ext>
-                  </a:extLst>
-                </a:hlinkClick>
-              </a:rPr>
-              <a:t>Bulma</a:t>
-            </a:r>
-            <a:endParaRPr lang="fr-FR" dirty="0">
-              <a:solidFill>
-                <a:schemeClr val="bg1">
-                  <a:lumMod val="75000"/>
-                </a:schemeClr>
-              </a:solidFill>
-            </a:endParaRPr>
-          </a:p>
-          <a:p>
-            <a:pPr marL="540000" lvl="1" indent="-288000">
-              <a:spcBef>
-                <a:spcPts val="600"/>
-              </a:spcBef>
-              <a:buFont typeface="Arial,Sans-Serif" panose="020B0604020202020204" pitchFamily="34" charset="0"/>
-              <a:buChar char="•"/>
-            </a:pPr>
-            <a:r>
-              <a:rPr lang="fr-FR" dirty="0">
-                <a:solidFill>
-                  <a:schemeClr val="bg1">
-                    <a:lumMod val="75000"/>
-                  </a:schemeClr>
-                </a:solidFill>
-                <a:hlinkClick r:id="rId6">
-                  <a:extLst>
-                    <a:ext uri="{A12FA001-AC4F-418D-AE19-62706E023703}">
-                      <ahyp:hlinkClr xmlns:ahyp="http://schemas.microsoft.com/office/drawing/2018/hyperlinkcolor" val="tx"/>
-                    </a:ext>
-                  </a:extLst>
-                </a:hlinkClick>
-              </a:rPr>
-              <a:t>Syncfusion</a:t>
-            </a:r>
-            <a:endParaRPr lang="fr-FR" dirty="0">
-              <a:solidFill>
-                <a:schemeClr val="bg1">
-                  <a:lumMod val="75000"/>
-                </a:schemeClr>
-              </a:solidFill>
-            </a:endParaRPr>
-          </a:p>
-          <a:p>
-            <a:pPr marL="540000" lvl="1" indent="-288000">
-              <a:spcBef>
-                <a:spcPts val="600"/>
-              </a:spcBef>
-              <a:buFont typeface="Arial,Sans-Serif" panose="020B0604020202020204" pitchFamily="34" charset="0"/>
-              <a:buChar char="•"/>
-            </a:pPr>
-            <a:r>
-              <a:rPr lang="fr-FR" dirty="0">
-                <a:solidFill>
-                  <a:schemeClr val="bg1">
-                    <a:lumMod val="75000"/>
-                  </a:schemeClr>
-                </a:solidFill>
-                <a:hlinkClick r:id="rId7">
-                  <a:extLst>
-                    <a:ext uri="{A12FA001-AC4F-418D-AE19-62706E023703}">
-                      <ahyp:hlinkClr xmlns:ahyp="http://schemas.microsoft.com/office/drawing/2018/hyperlinkcolor" val="tx"/>
-                    </a:ext>
-                  </a:extLst>
-                </a:hlinkClick>
-              </a:rPr>
-              <a:t>Ionic</a:t>
-            </a:r>
-            <a:r>
-              <a:rPr lang="fr-FR" dirty="0">
-                <a:solidFill>
-                  <a:schemeClr val="bg1">
-                    <a:lumMod val="75000"/>
-                  </a:schemeClr>
-                </a:solidFill>
-              </a:rPr>
-              <a:t> </a:t>
-            </a:r>
-            <a:br>
-              <a:rPr lang="fr-FR" b="0" dirty="0">
-                <a:solidFill>
-                  <a:schemeClr val="tx2"/>
-                </a:solidFill>
-              </a:rPr>
-            </a:br>
-            <a:endParaRPr lang="fr-FR" b="0" dirty="0">
-              <a:solidFill>
-                <a:schemeClr val="tx2"/>
-              </a:solidFill>
-            </a:endParaRPr>
-          </a:p>
-          <a:p>
-            <a:pPr marL="72000" indent="0" algn="ctr">
-              <a:spcBef>
-                <a:spcPts val="600"/>
-              </a:spcBef>
-              <a:buNone/>
-            </a:pPr>
-            <a:r>
-              <a:rPr lang="fr-FR" dirty="0"/>
-              <a:t>Back | Mock.(</a:t>
-            </a:r>
-            <a:r>
-              <a:rPr lang="fr-FR" dirty="0" err="1"/>
-              <a:t>Api&amp;Db</a:t>
-            </a:r>
-            <a:r>
-              <a:rPr lang="fr-FR" dirty="0"/>
-              <a:t>)</a:t>
-            </a:r>
-          </a:p>
-          <a:p>
-            <a:pPr marL="540000" lvl="1" indent="-288000">
-              <a:spcBef>
-                <a:spcPts val="600"/>
-              </a:spcBef>
-              <a:buFont typeface="Arial,Sans-Serif" panose="020B0604020202020204" pitchFamily="34" charset="0"/>
-              <a:buChar char="•"/>
-            </a:pPr>
-            <a:r>
-              <a:rPr lang="fr-FR" dirty="0">
-                <a:solidFill>
-                  <a:schemeClr val="bg1">
-                    <a:lumMod val="75000"/>
-                  </a:schemeClr>
-                </a:solidFill>
-                <a:hlinkClick r:id="rId8">
-                  <a:extLst>
-                    <a:ext uri="{A12FA001-AC4F-418D-AE19-62706E023703}">
-                      <ahyp:hlinkClr xmlns:ahyp="http://schemas.microsoft.com/office/drawing/2018/hyperlinkcolor" val="tx"/>
-                    </a:ext>
-                  </a:extLst>
-                </a:hlinkClick>
-              </a:rPr>
-              <a:t>in-memory-web-api</a:t>
-            </a:r>
-            <a:br>
-              <a:rPr lang="fr-FR" sz="1600" dirty="0">
-                <a:solidFill>
-                  <a:schemeClr val="tx2"/>
-                </a:solidFill>
-              </a:rPr>
-            </a:br>
-            <a:endParaRPr lang="fr-FR" sz="1600" dirty="0">
-              <a:solidFill>
-                <a:schemeClr val="tx2"/>
-              </a:solidFill>
-            </a:endParaRPr>
-          </a:p>
-          <a:p>
-            <a:pPr indent="-288000">
-              <a:spcBef>
-                <a:spcPts val="600"/>
-              </a:spcBef>
-              <a:buFont typeface="Arial,Sans-Serif" panose="020B0604020202020204" pitchFamily="34" charset="0"/>
-              <a:buChar char="•"/>
-            </a:pPr>
-            <a:endParaRPr lang="fr-FR" sz="2800" dirty="0">
-              <a:solidFill>
-                <a:schemeClr val="tx2"/>
-              </a:solidFill>
-              <a:highlight>
-                <a:srgbClr val="FFFF00"/>
-              </a:highlight>
-            </a:endParaRPr>
-          </a:p>
-          <a:p>
-            <a:endParaRPr lang="en-GB" dirty="0"/>
-          </a:p>
-        </p:txBody>
-      </p:sp>
-      <p:sp>
-        <p:nvSpPr>
-          <p:cNvPr id="5" name="Text Placeholder 4">
-            <a:extLst>
-              <a:ext uri="{FF2B5EF4-FFF2-40B4-BE49-F238E27FC236}">
-                <a16:creationId xmlns:a16="http://schemas.microsoft.com/office/drawing/2014/main" id="{4E47891B-EC3F-4BD8-9529-9F31EE188261}"/>
-              </a:ext>
-            </a:extLst>
-          </p:cNvPr>
-          <p:cNvSpPr>
-            <a:spLocks noGrp="1"/>
-          </p:cNvSpPr>
-          <p:nvPr>
-            <p:ph type="body" sz="quarter" idx="16"/>
-          </p:nvPr>
-        </p:nvSpPr>
-        <p:spPr/>
-        <p:txBody>
-          <a:bodyPr/>
-          <a:lstStyle/>
-          <a:p>
-            <a:r>
-              <a:rPr lang="fr-FR" dirty="0"/>
-              <a:t>Technologie</a:t>
-            </a:r>
-            <a:endParaRPr lang="en-US" dirty="0">
-              <a:cs typeface="Arial" panose="020B0604020202020204"/>
-            </a:endParaRPr>
-          </a:p>
-        </p:txBody>
-      </p:sp>
-      <p:sp>
-        <p:nvSpPr>
-          <p:cNvPr id="6" name="Text Placeholder 5">
-            <a:extLst>
-              <a:ext uri="{FF2B5EF4-FFF2-40B4-BE49-F238E27FC236}">
-                <a16:creationId xmlns:a16="http://schemas.microsoft.com/office/drawing/2014/main" id="{6B28050F-46ED-49D2-8DAB-E1AE3E0D30CC}"/>
-              </a:ext>
-            </a:extLst>
-          </p:cNvPr>
-          <p:cNvSpPr>
-            <a:spLocks noGrp="1"/>
-          </p:cNvSpPr>
-          <p:nvPr>
-            <p:ph type="body" sz="quarter" idx="20"/>
-          </p:nvPr>
-        </p:nvSpPr>
-        <p:spPr>
-          <a:xfrm>
-            <a:off x="6136463" y="1089498"/>
-            <a:ext cx="5144311" cy="1497585"/>
-          </a:xfrm>
-          <a:prstGeom prst="roundRect">
-            <a:avLst>
-              <a:gd name="adj" fmla="val 13035"/>
-            </a:avLst>
-          </a:prstGeom>
-        </p:spPr>
-        <p:txBody>
-          <a:bodyPr/>
-          <a:lstStyle/>
-          <a:p>
-            <a:pPr marL="72000" indent="0" algn="ctr">
-              <a:spcBef>
-                <a:spcPts val="600"/>
-              </a:spcBef>
-              <a:buNone/>
-            </a:pPr>
-            <a:r>
-              <a:rPr lang="fr-FR" dirty="0"/>
-              <a:t>Front | Css Pre-Processor</a:t>
-            </a:r>
-          </a:p>
-          <a:p>
-            <a:pPr marL="540000" lvl="1" indent="-288000">
-              <a:spcBef>
-                <a:spcPts val="600"/>
-              </a:spcBef>
-              <a:buFont typeface="Arial,Sans-Serif" panose="020B0604020202020204" pitchFamily="34" charset="0"/>
-              <a:buChar char="•"/>
-            </a:pPr>
-            <a:r>
-              <a:rPr lang="fr-FR" dirty="0">
-                <a:solidFill>
-                  <a:schemeClr val="bg1">
-                    <a:lumMod val="75000"/>
-                  </a:schemeClr>
-                </a:solidFill>
-                <a:hlinkClick r:id="rId9">
-                  <a:extLst>
-                    <a:ext uri="{A12FA001-AC4F-418D-AE19-62706E023703}">
-                      <ahyp:hlinkClr xmlns:ahyp="http://schemas.microsoft.com/office/drawing/2018/hyperlinkcolor" val="tx"/>
-                    </a:ext>
-                  </a:extLst>
-                </a:hlinkClick>
-              </a:rPr>
-              <a:t>less</a:t>
-            </a:r>
-            <a:endParaRPr lang="fr-FR" dirty="0">
-              <a:solidFill>
-                <a:schemeClr val="bg1">
-                  <a:lumMod val="75000"/>
-                </a:schemeClr>
-              </a:solidFill>
-            </a:endParaRPr>
-          </a:p>
-          <a:p>
-            <a:pPr marL="540000" lvl="1" indent="-288000">
-              <a:spcBef>
-                <a:spcPts val="600"/>
-              </a:spcBef>
-              <a:buFont typeface="Arial,Sans-Serif" panose="020B0604020202020204" pitchFamily="34" charset="0"/>
-              <a:buChar char="•"/>
-            </a:pPr>
-            <a:r>
-              <a:rPr lang="fr-FR" dirty="0">
-                <a:solidFill>
-                  <a:schemeClr val="bg1">
-                    <a:lumMod val="75000"/>
-                  </a:schemeClr>
-                </a:solidFill>
-                <a:hlinkClick r:id="rId10">
-                  <a:extLst>
-                    <a:ext uri="{A12FA001-AC4F-418D-AE19-62706E023703}">
-                      <ahyp:hlinkClr xmlns:ahyp="http://schemas.microsoft.com/office/drawing/2018/hyperlinkcolor" val="tx"/>
-                    </a:ext>
-                  </a:extLst>
-                </a:hlinkClick>
-              </a:rPr>
-              <a:t>stylus</a:t>
-            </a:r>
-            <a:r>
-              <a:rPr lang="fr-FR" dirty="0">
-                <a:solidFill>
-                  <a:schemeClr val="bg1">
-                    <a:lumMod val="75000"/>
-                  </a:schemeClr>
-                </a:solidFill>
-              </a:rPr>
-              <a:t> </a:t>
-            </a:r>
-          </a:p>
-          <a:p>
-            <a:pPr marL="540000" lvl="1" indent="-288000">
-              <a:spcBef>
-                <a:spcPts val="600"/>
-              </a:spcBef>
-              <a:buFont typeface="Arial,Sans-Serif" panose="020B0604020202020204" pitchFamily="34" charset="0"/>
-              <a:buChar char="•"/>
-            </a:pPr>
-            <a:r>
-              <a:rPr lang="fr-FR" dirty="0">
-                <a:solidFill>
-                  <a:schemeClr val="bg1">
-                    <a:lumMod val="75000"/>
-                  </a:schemeClr>
-                </a:solidFill>
-                <a:hlinkClick r:id="rId11">
-                  <a:extLst>
-                    <a:ext uri="{A12FA001-AC4F-418D-AE19-62706E023703}">
-                      <ahyp:hlinkClr xmlns:ahyp="http://schemas.microsoft.com/office/drawing/2018/hyperlinkcolor" val="tx"/>
-                    </a:ext>
-                  </a:extLst>
-                </a:hlinkClick>
-              </a:rPr>
-              <a:t>postcss</a:t>
-            </a:r>
-            <a:endParaRPr lang="fr-FR" dirty="0">
-              <a:solidFill>
-                <a:schemeClr val="bg1">
-                  <a:lumMod val="75000"/>
-                </a:schemeClr>
-              </a:solidFill>
-            </a:endParaRPr>
-          </a:p>
-        </p:txBody>
-      </p:sp>
-      <p:sp>
-        <p:nvSpPr>
-          <p:cNvPr id="7" name="Title 6">
-            <a:extLst>
-              <a:ext uri="{FF2B5EF4-FFF2-40B4-BE49-F238E27FC236}">
-                <a16:creationId xmlns:a16="http://schemas.microsoft.com/office/drawing/2014/main" id="{FF8FF8A0-CA2B-451B-A60A-8087CFA49D4C}"/>
-              </a:ext>
-            </a:extLst>
-          </p:cNvPr>
-          <p:cNvSpPr>
-            <a:spLocks noGrp="1"/>
-          </p:cNvSpPr>
-          <p:nvPr>
-            <p:ph type="title"/>
-          </p:nvPr>
-        </p:nvSpPr>
-        <p:spPr/>
-        <p:txBody>
-          <a:bodyPr/>
-          <a:lstStyle/>
-          <a:p>
-            <a:r>
-              <a:rPr lang="fr-FR" dirty="0"/>
-              <a:t>Technologie non utilisées</a:t>
-            </a:r>
-            <a:endParaRPr lang="en-GB" dirty="0"/>
-          </a:p>
-        </p:txBody>
-      </p:sp>
-    </p:spTree>
-    <p:extLst>
-      <p:ext uri="{BB962C8B-B14F-4D97-AF65-F5344CB8AC3E}">
-        <p14:creationId xmlns:p14="http://schemas.microsoft.com/office/powerpoint/2010/main" val="2745721101"/>
       </p:ext>
     </p:extLst>
   </p:cSld>
@@ -10307,13 +9500,18 @@
               </a:spcBef>
             </a:pPr>
             <a:r>
-              <a:rPr lang="fr-FR" dirty="0">
+              <a:rPr lang="fr-FR" dirty="0" err="1">
                 <a:solidFill>
                   <a:schemeClr val="tx2"/>
                 </a:solidFill>
               </a:rPr>
-              <a:t>Basic Flow</a:t>
-            </a:r>
+              <a:t>DataFlow.Redux</a:t>
+            </a:r>
+            <a:endParaRPr lang="fr-FR" dirty="0">
+              <a:solidFill>
+                <a:schemeClr val="tx2"/>
+              </a:solidFill>
+            </a:endParaRPr>
           </a:p>
           <a:p>
             <a:pPr lvl="1">
@@ -10325,7 +9523,7 @@
             </a:pPr>
             <a:r>
               <a:rPr lang="fr-FR" sz="1600" b="0" dirty="0"/>
-              <a:t>Le user interagit avec un (ng)Component </a:t>
+              <a:t>Le user interagit avec un Component </a:t>
             </a:r>
           </a:p>
           <a:p>
@@ -10336,15 +9534,7 @@
             </a:pPr>
             <a:r>
               <a:rPr lang="fr-FR" sz="1400" b="0" dirty="0"/>
-              <a:t>Le </a:t>
-            </a:r>
-            <a:r>
-              <a:rPr lang="fr-FR" sz="1400" b="1" i="1" dirty="0"/>
-              <a:t>(ng)</a:t>
-            </a:r>
-            <a:r>
-              <a:rPr lang="fr-FR" sz="1400" b="0" dirty="0"/>
-              <a:t>Component dispatch une </a:t>
+              <a:t>Le Component dispatch une </a:t>
             </a:r>
             <a:r>
               <a:rPr lang="fr-FR" sz="1400" b="1" i="1" dirty="0"/>
@@ -10364,7 +9554,7 @@
             </a:pPr>
             <a:r>
               <a:rPr lang="fr-FR" sz="1400" b="1" u="sng" dirty="0"/>
-              <a:t>Example :</a:t>
+              <a:t>Example.</a:t>
             </a:r>
             <a:r>
               <a:rPr lang="fr-FR" sz="1400" b="0" dirty="0"/>
